--- a/Präsentation/Observer_Pattern.pptx
+++ b/Präsentation/Observer_Pattern.pptx
@@ -109,6 +109,11 @@
       </a:defRPr>
     </a:lvl9pPr>
   </p:defaultTextStyle>
+  <p:extLst>
+    <p:ext uri="{EFAFB233-063F-42B5-8137-9DF3F51BA10A}">
+      <p15:sldGuideLst xmlns:p15="http://schemas.microsoft.com/office/powerpoint/2012/main"/>
+    </p:ext>
+  </p:extLst>
 </p:presentation>
 </file>
 
@@ -3761,11 +3766,14 @@
               <a:t>umgekehrt</a:t>
             </a:r>
             <a:r>
-              <a:rPr lang="en-US" b="1" dirty="0" smtClean="0">
-                <a:latin typeface="+mj-lt"/>
-              </a:rPr>
-              <a:t>.</a:t>
-            </a:r>
+              <a:rPr lang="en-US" b="1" dirty="0">
+                <a:latin typeface="+mj-lt"/>
+              </a:rPr>
+              <a:t>!</a:t>
+            </a:r>
+            <a:endParaRPr lang="en-US" b="1" dirty="0" smtClean="0">
+              <a:latin typeface="+mj-lt"/>
+            </a:endParaRPr>
           </a:p>
           <a:p>
             <a:endParaRPr lang="en-US" b="1" dirty="0"/>
@@ -3918,7 +3926,7 @@
         <p:spPr>
           <a:xfrm>
             <a:off x="1920121" y="1654896"/>
-            <a:ext cx="7134121" cy="2031325"/>
+            <a:ext cx="7134121" cy="1754326"/>
           </a:xfrm>
           <a:prstGeom prst="rect">
             <a:avLst/>
@@ -3949,31 +3957,24 @@
             </a:r>
             <a:r>
               <a:rPr lang="en-US" b="1" dirty="0" smtClean="0"/>
-              <a:t>. </a:t>
-            </a:r>
-            <a:r>
-              <a:rPr lang="en-US" dirty="0" smtClean="0"/>
-              <a:t>Dieses muss der </a:t>
-            </a:r>
-            <a:r>
-              <a:rPr lang="en-US" dirty="0" err="1" smtClean="0"/>
+              <a:t>. Dies muss der </a:t>
+            </a:r>
+            <a:r>
+              <a:rPr lang="en-US" b="1" dirty="0" err="1" smtClean="0"/>
               <a:t>Programmierer</a:t>
             </a:r>
             <a:r>
-              <a:rPr lang="en-US" dirty="0" smtClean="0"/>
+              <a:rPr lang="en-US" b="1" dirty="0" smtClean="0"/>
               <a:t> </a:t>
             </a:r>
             <a:r>
-              <a:rPr lang="en-US" dirty="0" err="1" smtClean="0"/>
-              <a:t>beachten</a:t>
-            </a:r>
-            <a:r>
-              <a:rPr lang="en-US" dirty="0" smtClean="0"/>
+              <a:rPr lang="en-US" b="1" dirty="0" err="1" smtClean="0"/>
+              <a:t>berücksichtigen</a:t>
+            </a:r>
+            <a:r>
+              <a:rPr lang="en-US" b="1" dirty="0" smtClean="0"/>
               <a:t>.</a:t>
             </a:r>
-            <a:endParaRPr lang="de-AT" dirty="0" smtClean="0"/>
-          </a:p>
-          <a:p>
             <a:endParaRPr lang="de-AT" dirty="0" smtClean="0"/>
           </a:p>
           <a:p>
@@ -4059,7 +4060,7 @@
         <p:spPr>
           <a:xfrm>
             <a:off x="1920121" y="1654896"/>
-            <a:ext cx="7134121" cy="3970318"/>
+            <a:ext cx="7134121" cy="3693319"/>
           </a:xfrm>
           <a:prstGeom prst="rect">
             <a:avLst/>
@@ -4128,8 +4129,9 @@
             </a:r>
             <a:r>
               <a:rPr lang="de-AT" dirty="0" smtClean="0"/>
-              <a:t>&lt;das zu beobachtende Subjekt&gt; welches an die Beobachter weitergegeben wird, wenn es sich verändert hat.</a:t>
-            </a:r>
+              <a:t>&lt;Observer&gt; welche benachrichtigt werden wenn sich das Subjekt verändert hat.</a:t>
+            </a:r>
+            <a:endParaRPr lang="de-AT" dirty="0" smtClean="0"/>
           </a:p>
           <a:p>
             <a:endParaRPr lang="de-AT" dirty="0" smtClean="0"/>
